--- a/slides/FsharpWhyShouldWeCare.pptx
+++ b/slides/FsharpWhyShouldWeCare.pptx
@@ -204,7 +204,7 @@
           <a:p>
             <a:fld id="{4FEDAB4D-4596-4554-80E6-81888B6C8EDC}" type="datetimeFigureOut">
               <a:rPr lang="en-US" smtClean="0"/>
-              <a:t>11/2/2018</a:t>
+              <a:t>11/7/2018</a:t>
             </a:fld>
             <a:endParaRPr lang="en-US"/>
           </a:p>
@@ -2673,7 +2673,7 @@
           <a:p>
             <a:fld id="{0E0E5A5B-B45C-4FFC-8D71-5BAACAB63944}" type="datetimeFigureOut">
               <a:rPr lang="en-US" smtClean="0"/>
-              <a:t>11/2/2018</a:t>
+              <a:t>11/7/2018</a:t>
             </a:fld>
             <a:endParaRPr lang="en-US"/>
           </a:p>
@@ -2843,7 +2843,7 @@
           <a:p>
             <a:fld id="{0E0E5A5B-B45C-4FFC-8D71-5BAACAB63944}" type="datetimeFigureOut">
               <a:rPr lang="en-US" smtClean="0"/>
-              <a:t>11/2/2018</a:t>
+              <a:t>11/7/2018</a:t>
             </a:fld>
             <a:endParaRPr lang="en-US"/>
           </a:p>
@@ -3023,7 +3023,7 @@
           <a:p>
             <a:fld id="{0E0E5A5B-B45C-4FFC-8D71-5BAACAB63944}" type="datetimeFigureOut">
               <a:rPr lang="en-US" smtClean="0"/>
-              <a:t>11/2/2018</a:t>
+              <a:t>11/7/2018</a:t>
             </a:fld>
             <a:endParaRPr lang="en-US"/>
           </a:p>
@@ -3193,7 +3193,7 @@
           <a:p>
             <a:fld id="{0E0E5A5B-B45C-4FFC-8D71-5BAACAB63944}" type="datetimeFigureOut">
               <a:rPr lang="en-US" smtClean="0"/>
-              <a:t>11/2/2018</a:t>
+              <a:t>11/7/2018</a:t>
             </a:fld>
             <a:endParaRPr lang="en-US"/>
           </a:p>
@@ -3439,7 +3439,7 @@
           <a:p>
             <a:fld id="{0E0E5A5B-B45C-4FFC-8D71-5BAACAB63944}" type="datetimeFigureOut">
               <a:rPr lang="en-US" smtClean="0"/>
-              <a:t>11/2/2018</a:t>
+              <a:t>11/7/2018</a:t>
             </a:fld>
             <a:endParaRPr lang="en-US"/>
           </a:p>
@@ -3671,7 +3671,7 @@
           <a:p>
             <a:fld id="{0E0E5A5B-B45C-4FFC-8D71-5BAACAB63944}" type="datetimeFigureOut">
               <a:rPr lang="en-US" smtClean="0"/>
-              <a:t>11/2/2018</a:t>
+              <a:t>11/7/2018</a:t>
             </a:fld>
             <a:endParaRPr lang="en-US"/>
           </a:p>
@@ -4038,7 +4038,7 @@
           <a:p>
             <a:fld id="{0E0E5A5B-B45C-4FFC-8D71-5BAACAB63944}" type="datetimeFigureOut">
               <a:rPr lang="en-US" smtClean="0"/>
-              <a:t>11/2/2018</a:t>
+              <a:t>11/7/2018</a:t>
             </a:fld>
             <a:endParaRPr lang="en-US"/>
           </a:p>
@@ -4156,7 +4156,7 @@
           <a:p>
             <a:fld id="{0E0E5A5B-B45C-4FFC-8D71-5BAACAB63944}" type="datetimeFigureOut">
               <a:rPr lang="en-US" smtClean="0"/>
-              <a:t>11/2/2018</a:t>
+              <a:t>11/7/2018</a:t>
             </a:fld>
             <a:endParaRPr lang="en-US"/>
           </a:p>
@@ -4251,7 +4251,7 @@
           <a:p>
             <a:fld id="{0E0E5A5B-B45C-4FFC-8D71-5BAACAB63944}" type="datetimeFigureOut">
               <a:rPr lang="en-US" smtClean="0"/>
-              <a:t>11/2/2018</a:t>
+              <a:t>11/7/2018</a:t>
             </a:fld>
             <a:endParaRPr lang="en-US"/>
           </a:p>
@@ -4528,7 +4528,7 @@
           <a:p>
             <a:fld id="{0E0E5A5B-B45C-4FFC-8D71-5BAACAB63944}" type="datetimeFigureOut">
               <a:rPr lang="en-US" smtClean="0"/>
-              <a:t>11/2/2018</a:t>
+              <a:t>11/7/2018</a:t>
             </a:fld>
             <a:endParaRPr lang="en-US"/>
           </a:p>
@@ -4781,7 +4781,7 @@
           <a:p>
             <a:fld id="{0E0E5A5B-B45C-4FFC-8D71-5BAACAB63944}" type="datetimeFigureOut">
               <a:rPr lang="en-US" smtClean="0"/>
-              <a:t>11/2/2018</a:t>
+              <a:t>11/7/2018</a:t>
             </a:fld>
             <a:endParaRPr lang="en-US"/>
           </a:p>
@@ -4994,7 +4994,7 @@
           <a:p>
             <a:fld id="{0E0E5A5B-B45C-4FFC-8D71-5BAACAB63944}" type="datetimeFigureOut">
               <a:rPr lang="en-US" smtClean="0"/>
-              <a:t>11/2/2018</a:t>
+              <a:t>11/7/2018</a:t>
             </a:fld>
             <a:endParaRPr lang="en-US"/>
           </a:p>
@@ -6138,9 +6138,87 @@
           </a:p>
         </p:txBody>
       </p:sp>
+      <p:sp>
+        <p:nvSpPr>
+          <p:cNvPr id="3" name="TextBox 2"/>
+          <p:cNvSpPr txBox="1"/>
+          <p:nvPr/>
+        </p:nvSpPr>
+        <p:spPr>
+          <a:xfrm>
+            <a:off x="838200" y="1502459"/>
+            <a:ext cx="2203450" cy="3139321"/>
+          </a:xfrm>
+          <a:prstGeom prst="rect">
+            <a:avLst/>
+          </a:prstGeom>
+          <a:noFill/>
+        </p:spPr>
+        <p:txBody>
+          <a:bodyPr wrap="square" rtlCol="0">
+            <a:spAutoFit/>
+          </a:bodyPr>
+          <a:lstStyle/>
+          <a:p>
+            <a:r>
+              <a:rPr lang="en-US" dirty="0" smtClean="0"/>
+              <a:t>“Everybody </a:t>
+            </a:r>
+            <a:r>
+              <a:rPr lang="en-US" dirty="0"/>
+              <a:t>who learns concurrency thinks they understand it, ends up finding mysterious races they thought weren’t possible, and discovers that they didn’t actually understand it yet after all</a:t>
+            </a:r>
+            <a:r>
+              <a:rPr lang="en-US" dirty="0" smtClean="0"/>
+              <a:t>.” </a:t>
+            </a:r>
+          </a:p>
+        </p:txBody>
+      </p:sp>
+      <p:sp>
+        <p:nvSpPr>
+          <p:cNvPr id="6" name="TextBox 5"/>
+          <p:cNvSpPr txBox="1"/>
+          <p:nvPr/>
+        </p:nvSpPr>
+        <p:spPr>
+          <a:xfrm>
+            <a:off x="592887" y="5827713"/>
+            <a:ext cx="10760913" cy="923330"/>
+          </a:xfrm>
+          <a:prstGeom prst="rect">
+            <a:avLst/>
+          </a:prstGeom>
+          <a:noFill/>
+        </p:spPr>
+        <p:txBody>
+          <a:bodyPr wrap="square" rtlCol="0">
+            <a:spAutoFit/>
+          </a:bodyPr>
+          <a:lstStyle/>
+          <a:p>
+            <a:r>
+              <a:rPr lang="es-MX" dirty="0"/>
+              <a:t>“</a:t>
+            </a:r>
+            <a:r>
+              <a:rPr lang="en-US" dirty="0"/>
+              <a:t>there are other pitfalls; for example, concurrent code that is completely safe but isn’t any faster than it was on a single-core machine</a:t>
+            </a:r>
+            <a:r>
+              <a:rPr lang="es-MX" dirty="0"/>
+              <a:t>”</a:t>
+            </a:r>
+            <a:endParaRPr lang="en-US" dirty="0"/>
+          </a:p>
+          <a:p>
+            <a:endParaRPr lang="en-US" dirty="0"/>
+          </a:p>
+        </p:txBody>
+      </p:sp>
       <p:pic>
         <p:nvPicPr>
-          <p:cNvPr id="5" name="Content Placeholder 4"/>
+          <p:cNvPr id="7" name="Content Placeholder 6"/>
           <p:cNvPicPr>
             <a:picLocks noGrp="1" noChangeAspect="1"/>
           </p:cNvPicPr>
@@ -6162,89 +6240,11 @@
         </p:blipFill>
         <p:spPr>
           <a:xfrm>
-            <a:off x="3186359" y="1361390"/>
-            <a:ext cx="8167441" cy="4415523"/>
+            <a:off x="3272744" y="1393825"/>
+            <a:ext cx="8081056" cy="4351338"/>
           </a:xfrm>
         </p:spPr>
       </p:pic>
-      <p:sp>
-        <p:nvSpPr>
-          <p:cNvPr id="3" name="TextBox 2"/>
-          <p:cNvSpPr txBox="1"/>
-          <p:nvPr/>
-        </p:nvSpPr>
-        <p:spPr>
-          <a:xfrm>
-            <a:off x="838200" y="1502459"/>
-            <a:ext cx="2203450" cy="3139321"/>
-          </a:xfrm>
-          <a:prstGeom prst="rect">
-            <a:avLst/>
-          </a:prstGeom>
-          <a:noFill/>
-        </p:spPr>
-        <p:txBody>
-          <a:bodyPr wrap="square" rtlCol="0">
-            <a:spAutoFit/>
-          </a:bodyPr>
-          <a:lstStyle/>
-          <a:p>
-            <a:r>
-              <a:rPr lang="en-US" dirty="0" smtClean="0"/>
-              <a:t>“Everybody </a:t>
-            </a:r>
-            <a:r>
-              <a:rPr lang="en-US" dirty="0"/>
-              <a:t>who learns concurrency thinks they understand it, ends up finding mysterious races they thought weren’t possible, and discovers that they didn’t actually understand it yet after all</a:t>
-            </a:r>
-            <a:r>
-              <a:rPr lang="en-US" dirty="0" smtClean="0"/>
-              <a:t>.” </a:t>
-            </a:r>
-          </a:p>
-        </p:txBody>
-      </p:sp>
-      <p:sp>
-        <p:nvSpPr>
-          <p:cNvPr id="6" name="TextBox 5"/>
-          <p:cNvSpPr txBox="1"/>
-          <p:nvPr/>
-        </p:nvSpPr>
-        <p:spPr>
-          <a:xfrm>
-            <a:off x="592887" y="5827713"/>
-            <a:ext cx="10760913" cy="923330"/>
-          </a:xfrm>
-          <a:prstGeom prst="rect">
-            <a:avLst/>
-          </a:prstGeom>
-          <a:noFill/>
-        </p:spPr>
-        <p:txBody>
-          <a:bodyPr wrap="square" rtlCol="0">
-            <a:spAutoFit/>
-          </a:bodyPr>
-          <a:lstStyle/>
-          <a:p>
-            <a:r>
-              <a:rPr lang="es-MX" dirty="0"/>
-              <a:t>“</a:t>
-            </a:r>
-            <a:r>
-              <a:rPr lang="en-US" dirty="0"/>
-              <a:t>there are other pitfalls; for example, concurrent code that is completely safe but isn’t any faster than it was on a single-core machine</a:t>
-            </a:r>
-            <a:r>
-              <a:rPr lang="es-MX" dirty="0"/>
-              <a:t>”</a:t>
-            </a:r>
-            <a:endParaRPr lang="en-US" dirty="0"/>
-          </a:p>
-          <a:p>
-            <a:endParaRPr lang="en-US" dirty="0"/>
-          </a:p>
-        </p:txBody>
-      </p:sp>
     </p:spTree>
     <p:extLst>
       <p:ext uri="{BB962C8B-B14F-4D97-AF65-F5344CB8AC3E}">
@@ -6790,11 +6790,7 @@
             </a:r>
             <a:r>
               <a:rPr lang="es-MX" dirty="0" smtClean="0"/>
-              <a:t> </a:t>
-            </a:r>
-            <a:r>
-              <a:rPr lang="es-MX" dirty="0" smtClean="0"/>
-              <a:t>demo and </a:t>
+              <a:t> demo and </a:t>
             </a:r>
             <a:r>
               <a:rPr lang="es-MX" dirty="0" err="1" smtClean="0"/>
